--- a/papers/sigmetrics18/figures/example.pptx
+++ b/papers/sigmetrics18/figures/example.pptx
@@ -243,7 +243,7 @@
           <a:p>
             <a:fld id="{295E39A9-0D84-BB41-AF08-AE65968AB772}" type="datetimeFigureOut">
               <a:rPr lang="en-US" smtClean="0"/>
-              <a:t>10/17/17</a:t>
+              <a:t>10/23/17</a:t>
             </a:fld>
             <a:endParaRPr lang="en-US"/>
           </a:p>
@@ -413,7 +413,7 @@
           <a:p>
             <a:fld id="{295E39A9-0D84-BB41-AF08-AE65968AB772}" type="datetimeFigureOut">
               <a:rPr lang="en-US" smtClean="0"/>
-              <a:t>10/17/17</a:t>
+              <a:t>10/23/17</a:t>
             </a:fld>
             <a:endParaRPr lang="en-US"/>
           </a:p>
@@ -593,7 +593,7 @@
           <a:p>
             <a:fld id="{295E39A9-0D84-BB41-AF08-AE65968AB772}" type="datetimeFigureOut">
               <a:rPr lang="en-US" smtClean="0"/>
-              <a:t>10/17/17</a:t>
+              <a:t>10/23/17</a:t>
             </a:fld>
             <a:endParaRPr lang="en-US"/>
           </a:p>
@@ -763,7 +763,7 @@
           <a:p>
             <a:fld id="{295E39A9-0D84-BB41-AF08-AE65968AB772}" type="datetimeFigureOut">
               <a:rPr lang="en-US" smtClean="0"/>
-              <a:t>10/17/17</a:t>
+              <a:t>10/23/17</a:t>
             </a:fld>
             <a:endParaRPr lang="en-US"/>
           </a:p>
@@ -1009,7 +1009,7 @@
           <a:p>
             <a:fld id="{295E39A9-0D84-BB41-AF08-AE65968AB772}" type="datetimeFigureOut">
               <a:rPr lang="en-US" smtClean="0"/>
-              <a:t>10/17/17</a:t>
+              <a:t>10/23/17</a:t>
             </a:fld>
             <a:endParaRPr lang="en-US"/>
           </a:p>
@@ -1241,7 +1241,7 @@
           <a:p>
             <a:fld id="{295E39A9-0D84-BB41-AF08-AE65968AB772}" type="datetimeFigureOut">
               <a:rPr lang="en-US" smtClean="0"/>
-              <a:t>10/17/17</a:t>
+              <a:t>10/23/17</a:t>
             </a:fld>
             <a:endParaRPr lang="en-US"/>
           </a:p>
@@ -1608,7 +1608,7 @@
           <a:p>
             <a:fld id="{295E39A9-0D84-BB41-AF08-AE65968AB772}" type="datetimeFigureOut">
               <a:rPr lang="en-US" smtClean="0"/>
-              <a:t>10/17/17</a:t>
+              <a:t>10/23/17</a:t>
             </a:fld>
             <a:endParaRPr lang="en-US"/>
           </a:p>
@@ -1726,7 +1726,7 @@
           <a:p>
             <a:fld id="{295E39A9-0D84-BB41-AF08-AE65968AB772}" type="datetimeFigureOut">
               <a:rPr lang="en-US" smtClean="0"/>
-              <a:t>10/17/17</a:t>
+              <a:t>10/23/17</a:t>
             </a:fld>
             <a:endParaRPr lang="en-US"/>
           </a:p>
@@ -1821,7 +1821,7 @@
           <a:p>
             <a:fld id="{295E39A9-0D84-BB41-AF08-AE65968AB772}" type="datetimeFigureOut">
               <a:rPr lang="en-US" smtClean="0"/>
-              <a:t>10/17/17</a:t>
+              <a:t>10/23/17</a:t>
             </a:fld>
             <a:endParaRPr lang="en-US"/>
           </a:p>
@@ -2098,7 +2098,7 @@
           <a:p>
             <a:fld id="{295E39A9-0D84-BB41-AF08-AE65968AB772}" type="datetimeFigureOut">
               <a:rPr lang="en-US" smtClean="0"/>
-              <a:t>10/17/17</a:t>
+              <a:t>10/23/17</a:t>
             </a:fld>
             <a:endParaRPr lang="en-US"/>
           </a:p>
@@ -2351,7 +2351,7 @@
           <a:p>
             <a:fld id="{295E39A9-0D84-BB41-AF08-AE65968AB772}" type="datetimeFigureOut">
               <a:rPr lang="en-US" smtClean="0"/>
-              <a:t>10/17/17</a:t>
+              <a:t>10/23/17</a:t>
             </a:fld>
             <a:endParaRPr lang="en-US"/>
           </a:p>
@@ -2564,7 +2564,7 @@
           <a:p>
             <a:fld id="{295E39A9-0D84-BB41-AF08-AE65968AB772}" type="datetimeFigureOut">
               <a:rPr lang="en-US" smtClean="0"/>
-              <a:t>10/17/17</a:t>
+              <a:t>10/23/17</a:t>
             </a:fld>
             <a:endParaRPr lang="en-US"/>
           </a:p>
@@ -3176,11 +3176,6 @@
               </a:rPr>
               <a:t>A</a:t>
             </a:r>
-            <a:endParaRPr lang="en-US" sz="3200" dirty="0">
-              <a:solidFill>
-                <a:schemeClr val="tx1"/>
-              </a:solidFill>
-            </a:endParaRPr>
           </a:p>
         </p:txBody>
       </p:sp>
@@ -3244,8 +3239,8 @@
           </a:p>
         </p:txBody>
       </p:sp>
-      <mc:AlternateContent xmlns:mc="http://schemas.openxmlformats.org/markup-compatibility/2006">
-        <mc:Choice xmlns:a14="http://schemas.microsoft.com/office/drawing/2010/main" Requires="a14">
+      <mc:AlternateContent xmlns:mc="http://schemas.openxmlformats.org/markup-compatibility/2006" xmlns:a14="http://schemas.microsoft.com/office/drawing/2010/main">
+        <mc:Choice Requires="a14">
           <p:sp>
             <p:nvSpPr>
               <p:cNvPr id="35" name="Oval 34"/>
@@ -3261,9 +3256,7 @@
                 <a:avLst/>
               </a:prstGeom>
               <a:solidFill>
-                <a:schemeClr val="accent2">
-                  <a:lumMod val="75000"/>
-                </a:schemeClr>
+                <a:srgbClr val="CD6B28"/>
               </a:solidFill>
             </p:spPr>
             <p:style>
@@ -3348,7 +3341,7 @@
             </p:txBody>
           </p:sp>
         </mc:Choice>
-        <mc:Fallback>
+        <mc:Fallback xmlns="">
           <p:sp>
             <p:nvSpPr>
               <p:cNvPr id="35" name="Oval 34"/>
@@ -3387,8 +3380,8 @@
           </p:sp>
         </mc:Fallback>
       </mc:AlternateContent>
-      <mc:AlternateContent xmlns:mc="http://schemas.openxmlformats.org/markup-compatibility/2006">
-        <mc:Choice xmlns:a14="http://schemas.microsoft.com/office/drawing/2010/main" Requires="a14">
+      <mc:AlternateContent xmlns:mc="http://schemas.openxmlformats.org/markup-compatibility/2006" xmlns:a14="http://schemas.microsoft.com/office/drawing/2010/main">
+        <mc:Choice Requires="a14">
           <p:sp>
             <p:nvSpPr>
               <p:cNvPr id="37" name="Oval 36"/>
@@ -3492,7 +3485,7 @@
             </p:txBody>
           </p:sp>
         </mc:Choice>
-        <mc:Fallback>
+        <mc:Fallback xmlns="">
           <p:sp>
             <p:nvSpPr>
               <p:cNvPr id="37" name="Oval 36"/>
@@ -3531,8 +3524,8 @@
           </p:sp>
         </mc:Fallback>
       </mc:AlternateContent>
-      <mc:AlternateContent xmlns:mc="http://schemas.openxmlformats.org/markup-compatibility/2006">
-        <mc:Choice xmlns:a14="http://schemas.microsoft.com/office/drawing/2010/main" Requires="a14">
+      <mc:AlternateContent xmlns:mc="http://schemas.openxmlformats.org/markup-compatibility/2006" xmlns:a14="http://schemas.microsoft.com/office/drawing/2010/main">
+        <mc:Choice Requires="a14">
           <p:sp>
             <p:nvSpPr>
               <p:cNvPr id="39" name="Oval 38"/>
@@ -3611,7 +3604,7 @@
             </p:txBody>
           </p:sp>
         </mc:Choice>
-        <mc:Fallback>
+        <mc:Fallback xmlns="">
           <p:sp>
             <p:nvSpPr>
               <p:cNvPr id="39" name="Oval 38"/>
@@ -3890,11 +3883,7 @@
           <a:p>
             <a:r>
               <a:rPr lang="en-US" sz="3200" i="1" smtClean="0"/>
-              <a:t>LP=</a:t>
-            </a:r>
-            <a:r>
-              <a:rPr lang="en-US" sz="3200" i="1" smtClean="0"/>
-              <a:t>200</a:t>
+              <a:t>LP=200</a:t>
             </a:r>
             <a:endParaRPr lang="en-US" sz="3200" i="1" dirty="0"/>
           </a:p>
@@ -3968,8 +3957,8 @@
           </a:fontRef>
         </p:style>
       </p:cxnSp>
-      <mc:AlternateContent xmlns:mc="http://schemas.openxmlformats.org/markup-compatibility/2006">
-        <mc:Choice xmlns:a14="http://schemas.microsoft.com/office/drawing/2010/main" Requires="a14">
+      <mc:AlternateContent xmlns:mc="http://schemas.openxmlformats.org/markup-compatibility/2006" xmlns:a14="http://schemas.microsoft.com/office/drawing/2010/main">
+        <mc:Choice Requires="a14">
           <p:sp>
             <p:nvSpPr>
               <p:cNvPr id="78" name="Oval 77"/>
@@ -4073,7 +4062,7 @@
             </p:txBody>
           </p:sp>
         </mc:Choice>
-        <mc:Fallback>
+        <mc:Fallback xmlns="">
           <p:sp>
             <p:nvSpPr>
               <p:cNvPr id="78" name="Oval 77"/>
@@ -4112,8 +4101,8 @@
           </p:sp>
         </mc:Fallback>
       </mc:AlternateContent>
-      <mc:AlternateContent xmlns:mc="http://schemas.openxmlformats.org/markup-compatibility/2006">
-        <mc:Choice xmlns:a14="http://schemas.microsoft.com/office/drawing/2010/main" Requires="a14">
+      <mc:AlternateContent xmlns:mc="http://schemas.openxmlformats.org/markup-compatibility/2006" xmlns:a14="http://schemas.microsoft.com/office/drawing/2010/main">
+        <mc:Choice Requires="a14">
           <p:sp>
             <p:nvSpPr>
               <p:cNvPr id="79" name="Oval 78"/>
@@ -4217,7 +4206,7 @@
             </p:txBody>
           </p:sp>
         </mc:Choice>
-        <mc:Fallback>
+        <mc:Fallback xmlns="">
           <p:sp>
             <p:nvSpPr>
               <p:cNvPr id="79" name="Oval 78"/>
@@ -4273,10 +4262,7 @@
                 <a:avLst/>
               </a:prstGeom>
               <a:solidFill>
-                <a:schemeClr val="accent2">
-                  <a:lumMod val="60000"/>
-                  <a:lumOff val="40000"/>
-                </a:schemeClr>
+                <a:srgbClr val="FFC000"/>
               </a:solidFill>
             </p:spPr>
             <p:style>
@@ -4400,8 +4386,8 @@
           </p:sp>
         </mc:Fallback>
       </mc:AlternateContent>
-      <mc:AlternateContent xmlns:mc="http://schemas.openxmlformats.org/markup-compatibility/2006">
-        <mc:Choice xmlns:a14="http://schemas.microsoft.com/office/drawing/2010/main" Requires="a14">
+      <mc:AlternateContent xmlns:mc="http://schemas.openxmlformats.org/markup-compatibility/2006" xmlns:a14="http://schemas.microsoft.com/office/drawing/2010/main">
+        <mc:Choice Requires="a14">
           <p:sp>
             <p:nvSpPr>
               <p:cNvPr id="81" name="Oval 80"/>
@@ -4410,7 +4396,7 @@
             </p:nvSpPr>
             <p:spPr>
               <a:xfrm>
-                <a:off x="4279609" y="3806011"/>
+                <a:off x="3577472" y="3806011"/>
                 <a:ext cx="778764" cy="811448"/>
               </a:xfrm>
               <a:prstGeom prst="ellipse">
@@ -4505,7 +4491,7 @@
             </p:txBody>
           </p:sp>
         </mc:Choice>
-        <mc:Fallback>
+        <mc:Fallback xmlns="">
           <p:sp>
             <p:nvSpPr>
               <p:cNvPr id="81" name="Oval 80"/>
@@ -4516,7 +4502,7 @@
             </p:nvSpPr>
             <p:spPr>
               <a:xfrm>
-                <a:off x="4279609" y="3806011"/>
+                <a:off x="3577472" y="3806011"/>
                 <a:ext cx="778764" cy="811448"/>
               </a:xfrm>
               <a:prstGeom prst="ellipse">
@@ -4552,7 +4538,7 @@
         </p:nvSpPr>
         <p:spPr>
           <a:xfrm>
-            <a:off x="4301697" y="5038856"/>
+            <a:off x="3583229" y="5038856"/>
             <a:ext cx="734588" cy="799025"/>
           </a:xfrm>
           <a:prstGeom prst="rect">
@@ -4614,7 +4600,7 @@
         <p:spPr>
           <a:xfrm>
             <a:off x="3246515" y="3047567"/>
-            <a:ext cx="1147141" cy="877278"/>
+            <a:ext cx="445004" cy="877278"/>
           </a:xfrm>
           <a:prstGeom prst="line">
             <a:avLst/>
@@ -4682,7 +4668,7 @@
         <p:spPr>
           <a:xfrm>
             <a:off x="2783349" y="4211735"/>
-            <a:ext cx="1496260" cy="0"/>
+            <a:ext cx="794123" cy="0"/>
           </a:xfrm>
           <a:prstGeom prst="line">
             <a:avLst/>
@@ -4714,9 +4700,9 @@
           <p:nvPr/>
         </p:nvCxnSpPr>
         <p:spPr>
-          <a:xfrm>
-            <a:off x="4668991" y="4617459"/>
-            <a:ext cx="0" cy="421397"/>
+          <a:xfrm flipH="1">
+            <a:off x="3950523" y="4617459"/>
+            <a:ext cx="16331" cy="421397"/>
           </a:xfrm>
           <a:prstGeom prst="line">
             <a:avLst/>
@@ -4912,9 +4898,9 @@
           <p:nvPr/>
         </p:nvSpPr>
         <p:spPr>
-          <a:xfrm>
-            <a:off x="1788578" y="1877786"/>
-            <a:ext cx="2669122" cy="3086100"/>
+          <a:xfrm rot="187486">
+            <a:off x="1919210" y="1877786"/>
+            <a:ext cx="1881223" cy="3086100"/>
           </a:xfrm>
           <a:custGeom>
             <a:avLst/>
@@ -4982,7 +4968,7 @@
             <a:solidFill>
               <a:srgbClr val="FF0000"/>
             </a:solidFill>
-            <a:prstDash val="dash"/>
+            <a:prstDash val="sysDot"/>
             <a:tailEnd type="triangle"/>
           </a:ln>
         </p:spPr>
@@ -5049,7 +5035,7 @@
         </p:nvSpPr>
         <p:spPr>
           <a:xfrm>
-            <a:off x="3194843" y="3678662"/>
+            <a:off x="3098081" y="3697921"/>
             <a:ext cx="2242201" cy="584775"/>
           </a:xfrm>
           <a:prstGeom prst="rect">
@@ -5079,7 +5065,7 @@
         </p:nvSpPr>
         <p:spPr>
           <a:xfrm>
-            <a:off x="3875707" y="3113275"/>
+            <a:off x="3532887" y="3162856"/>
             <a:ext cx="2242201" cy="584775"/>
           </a:xfrm>
           <a:prstGeom prst="rect">
@@ -5094,8 +5080,275 @@
           <a:lstStyle/>
           <a:p>
             <a:r>
-              <a:rPr lang="en-US" sz="3200" i="1" dirty="0" smtClean="0"/>
+              <a:rPr lang="en-US" sz="3200" i="1" dirty="0"/>
+              <a:t>5</a:t>
+            </a:r>
+          </a:p>
+        </p:txBody>
+      </p:sp>
+      <mc:AlternateContent xmlns:mc="http://schemas.openxmlformats.org/markup-compatibility/2006">
+        <mc:Choice xmlns:a14="http://schemas.microsoft.com/office/drawing/2010/main" Requires="a14">
+          <p:sp>
+            <p:nvSpPr>
+              <p:cNvPr id="36" name="Oval 35"/>
+              <p:cNvSpPr/>
+              <p:nvPr/>
+            </p:nvSpPr>
+            <p:spPr>
+              <a:xfrm>
+                <a:off x="5035247" y="3795222"/>
+                <a:ext cx="778764" cy="811448"/>
+              </a:xfrm>
+              <a:prstGeom prst="ellipse">
+                <a:avLst/>
+              </a:prstGeom>
+              <a:solidFill>
+                <a:srgbClr val="FFC000"/>
+              </a:solidFill>
+            </p:spPr>
+            <p:style>
+              <a:lnRef idx="2">
+                <a:schemeClr val="accent1">
+                  <a:shade val="50000"/>
+                </a:schemeClr>
+              </a:lnRef>
+              <a:fillRef idx="1">
+                <a:schemeClr val="accent1"/>
+              </a:fillRef>
+              <a:effectRef idx="0">
+                <a:schemeClr val="accent1"/>
+              </a:effectRef>
+              <a:fontRef idx="minor">
+                <a:schemeClr val="lt1"/>
+              </a:fontRef>
+            </p:style>
+            <p:txBody>
+              <a:bodyPr rtlCol="0" anchor="ctr"/>
+              <a:lstStyle/>
+              <a:p>
+                <a:pPr algn="ctr"/>
+                <a14:m>
+                  <m:oMathPara xmlns:m="http://schemas.openxmlformats.org/officeDocument/2006/math">
+                    <m:oMathParaPr>
+                      <m:jc m:val="centerGroup"/>
+                    </m:oMathParaPr>
+                    <m:oMath xmlns:m="http://schemas.openxmlformats.org/officeDocument/2006/math">
+                      <m:sSub>
+                        <m:sSubPr>
+                          <m:ctrlPr>
+                            <a:rPr lang="en-US" sz="3200" i="1" smtClean="0">
+                              <a:solidFill>
+                                <a:schemeClr val="tx1"/>
+                              </a:solidFill>
+                              <a:latin typeface="Cambria Math" charset="0"/>
+                            </a:rPr>
+                          </m:ctrlPr>
+                        </m:sSubPr>
+                        <m:e>
+                          <m:r>
+                            <a:rPr lang="en-US" sz="3200" i="1">
+                              <a:solidFill>
+                                <a:schemeClr val="tx1"/>
+                              </a:solidFill>
+                              <a:latin typeface="Cambria Math" charset="0"/>
+                            </a:rPr>
+                            <m:t>  </m:t>
+                          </m:r>
+                          <m:r>
+                            <a:rPr lang="en-US" sz="3200" b="0" i="1" smtClean="0">
+                              <a:solidFill>
+                                <a:schemeClr val="tx1"/>
+                              </a:solidFill>
+                              <a:latin typeface="Cambria Math" charset="0"/>
+                            </a:rPr>
+                            <m:t>𝑅</m:t>
+                          </m:r>
+                        </m:e>
+                        <m:sub>
+                          <m:r>
+                            <a:rPr lang="en-US" sz="3200" b="0" i="1" smtClean="0">
+                              <a:solidFill>
+                                <a:schemeClr val="tx1"/>
+                              </a:solidFill>
+                              <a:latin typeface="Cambria Math" charset="0"/>
+                            </a:rPr>
+                            <m:t>8</m:t>
+                          </m:r>
+                        </m:sub>
+                      </m:sSub>
+                    </m:oMath>
+                  </m:oMathPara>
+                </a14:m>
+                <a:endParaRPr lang="en-US" sz="3200" dirty="0">
+                  <a:solidFill>
+                    <a:schemeClr val="tx1"/>
+                  </a:solidFill>
+                </a:endParaRPr>
+              </a:p>
+            </p:txBody>
+          </p:sp>
+        </mc:Choice>
+        <mc:Fallback>
+          <p:sp>
+            <p:nvSpPr>
+              <p:cNvPr id="36" name="Oval 35"/>
+              <p:cNvSpPr>
+                <a:spLocks noRot="1" noChangeAspect="1" noMove="1" noResize="1" noEditPoints="1" noAdjustHandles="1" noChangeArrowheads="1" noChangeShapeType="1" noTextEdit="1"/>
+              </p:cNvSpPr>
+              <p:nvPr/>
+            </p:nvSpPr>
+            <p:spPr>
+              <a:xfrm>
+                <a:off x="5035247" y="3795222"/>
+                <a:ext cx="778764" cy="811448"/>
+              </a:xfrm>
+              <a:prstGeom prst="ellipse">
+                <a:avLst/>
+              </a:prstGeom>
+              <a:blipFill rotWithShape="0">
+                <a:blip r:embed="rId9"/>
+                <a:stretch>
+                  <a:fillRect/>
+                </a:stretch>
+              </a:blipFill>
+            </p:spPr>
+            <p:txBody>
+              <a:bodyPr/>
+              <a:lstStyle/>
+              <a:p>
+                <a:r>
+                  <a:rPr lang="en-US">
+                    <a:noFill/>
+                  </a:rPr>
+                  <a:t> </a:t>
+                </a:r>
+              </a:p>
+            </p:txBody>
+          </p:sp>
+        </mc:Fallback>
+      </mc:AlternateContent>
+      <p:cxnSp>
+        <p:nvCxnSpPr>
+          <p:cNvPr id="38" name="Straight Connector 37"/>
+          <p:cNvCxnSpPr>
+            <a:stCxn id="79" idx="4"/>
+            <a:endCxn id="36" idx="0"/>
+          </p:cNvCxnSpPr>
+          <p:nvPr/>
+        </p:nvCxnSpPr>
+        <p:spPr>
+          <a:xfrm>
+            <a:off x="3246515" y="3047567"/>
+            <a:ext cx="2178114" cy="747655"/>
+          </a:xfrm>
+          <a:prstGeom prst="line">
+            <a:avLst/>
+          </a:prstGeom>
+          <a:ln w="22225"/>
+        </p:spPr>
+        <p:style>
+          <a:lnRef idx="3">
+            <a:schemeClr val="dk1"/>
+          </a:lnRef>
+          <a:fillRef idx="0">
+            <a:schemeClr val="dk1"/>
+          </a:fillRef>
+          <a:effectRef idx="2">
+            <a:schemeClr val="dk1"/>
+          </a:effectRef>
+          <a:fontRef idx="minor">
+            <a:schemeClr val="tx1"/>
+          </a:fontRef>
+        </p:style>
+      </p:cxnSp>
+      <p:cxnSp>
+        <p:nvCxnSpPr>
+          <p:cNvPr id="40" name="Straight Connector 39"/>
+          <p:cNvCxnSpPr>
+            <a:stCxn id="81" idx="6"/>
+            <a:endCxn id="36" idx="2"/>
+          </p:cNvCxnSpPr>
+          <p:nvPr/>
+        </p:nvCxnSpPr>
+        <p:spPr>
+          <a:xfrm flipV="1">
+            <a:off x="4356236" y="4200946"/>
+            <a:ext cx="679011" cy="10789"/>
+          </a:xfrm>
+          <a:prstGeom prst="line">
+            <a:avLst/>
+          </a:prstGeom>
+          <a:ln w="22225"/>
+        </p:spPr>
+        <p:style>
+          <a:lnRef idx="3">
+            <a:schemeClr val="dk1"/>
+          </a:lnRef>
+          <a:fillRef idx="0">
+            <a:schemeClr val="dk1"/>
+          </a:fillRef>
+          <a:effectRef idx="2">
+            <a:schemeClr val="dk1"/>
+          </a:effectRef>
+          <a:fontRef idx="minor">
+            <a:schemeClr val="tx1"/>
+          </a:fontRef>
+        </p:style>
+      </p:cxnSp>
+      <p:sp>
+        <p:nvSpPr>
+          <p:cNvPr id="46" name="TextBox 45"/>
+          <p:cNvSpPr txBox="1"/>
+          <p:nvPr/>
+        </p:nvSpPr>
+        <p:spPr>
+          <a:xfrm>
+            <a:off x="4572116" y="3079301"/>
+            <a:ext cx="2242201" cy="584775"/>
+          </a:xfrm>
+          <a:prstGeom prst="rect">
+            <a:avLst/>
+          </a:prstGeom>
+          <a:noFill/>
+        </p:spPr>
+        <p:txBody>
+          <a:bodyPr wrap="square" rtlCol="0">
+            <a:spAutoFit/>
+          </a:bodyPr>
+          <a:lstStyle/>
+          <a:p>
+            <a:r>
+              <a:rPr lang="en-US" sz="3200" i="1" dirty="0"/>
               <a:t>3</a:t>
+            </a:r>
+          </a:p>
+        </p:txBody>
+      </p:sp>
+      <p:sp>
+        <p:nvSpPr>
+          <p:cNvPr id="49" name="TextBox 48"/>
+          <p:cNvSpPr txBox="1"/>
+          <p:nvPr/>
+        </p:nvSpPr>
+        <p:spPr>
+          <a:xfrm>
+            <a:off x="4563436" y="3720223"/>
+            <a:ext cx="2242201" cy="584775"/>
+          </a:xfrm>
+          <a:prstGeom prst="rect">
+            <a:avLst/>
+          </a:prstGeom>
+          <a:noFill/>
+        </p:spPr>
+        <p:txBody>
+          <a:bodyPr wrap="square" rtlCol="0">
+            <a:spAutoFit/>
+          </a:bodyPr>
+          <a:lstStyle/>
+          <a:p>
+            <a:r>
+              <a:rPr lang="en-US" sz="3200" i="1"/>
+              <a:t>1</a:t>
             </a:r>
             <a:endParaRPr lang="en-US" sz="3200" i="1" dirty="0"/>
           </a:p>

--- a/papers/sigmetrics18/figures/example.pptx
+++ b/papers/sigmetrics18/figures/example.pptx
@@ -4,6 +4,9 @@
   <p:sldMasterIdLst>
     <p:sldMasterId id="2147483648" r:id="rId1"/>
   </p:sldMasterIdLst>
+  <p:notesMasterIdLst>
+    <p:notesMasterId r:id="rId3"/>
+  </p:notesMasterIdLst>
   <p:sldIdLst>
     <p:sldId id="257" r:id="rId2"/>
   </p:sldIdLst>
@@ -112,6 +115,356 @@
 </p:presentation>
 </file>
 
+<file path=ppt/notesMasters/notesMaster1.xml><?xml version="1.0" encoding="utf-8"?>
+<p:notesMaster xmlns:a="http://schemas.openxmlformats.org/drawingml/2006/main" xmlns:r="http://schemas.openxmlformats.org/officeDocument/2006/relationships" xmlns:p="http://schemas.openxmlformats.org/presentationml/2006/main">
+  <p:cSld>
+    <p:bg>
+      <p:bgRef idx="1001">
+        <a:schemeClr val="bg1"/>
+      </p:bgRef>
+    </p:bg>
+    <p:spTree>
+      <p:nvGrpSpPr>
+        <p:cNvPr id="1" name=""/>
+        <p:cNvGrpSpPr/>
+        <p:nvPr/>
+      </p:nvGrpSpPr>
+      <p:grpSpPr>
+        <a:xfrm>
+          <a:off x="0" y="0"/>
+          <a:ext cx="0" cy="0"/>
+          <a:chOff x="0" y="0"/>
+          <a:chExt cx="0" cy="0"/>
+        </a:xfrm>
+      </p:grpSpPr>
+      <p:sp>
+        <p:nvSpPr>
+          <p:cNvPr id="2" name="Header Placeholder 1"/>
+          <p:cNvSpPr>
+            <a:spLocks noGrp="1"/>
+          </p:cNvSpPr>
+          <p:nvPr>
+            <p:ph type="hdr" sz="quarter"/>
+          </p:nvPr>
+        </p:nvSpPr>
+        <p:spPr>
+          <a:xfrm>
+            <a:off x="0" y="0"/>
+            <a:ext cx="2971800" cy="458788"/>
+          </a:xfrm>
+          <a:prstGeom prst="rect">
+            <a:avLst/>
+          </a:prstGeom>
+        </p:spPr>
+        <p:txBody>
+          <a:bodyPr vert="horz" lIns="91440" tIns="45720" rIns="91440" bIns="45720" rtlCol="0"/>
+          <a:lstStyle>
+            <a:lvl1pPr algn="l">
+              <a:defRPr sz="1200"/>
+            </a:lvl1pPr>
+          </a:lstStyle>
+          <a:p>
+            <a:endParaRPr lang="en-US"/>
+          </a:p>
+        </p:txBody>
+      </p:sp>
+      <p:sp>
+        <p:nvSpPr>
+          <p:cNvPr id="3" name="Date Placeholder 2"/>
+          <p:cNvSpPr>
+            <a:spLocks noGrp="1"/>
+          </p:cNvSpPr>
+          <p:nvPr>
+            <p:ph type="dt" idx="1"/>
+          </p:nvPr>
+        </p:nvSpPr>
+        <p:spPr>
+          <a:xfrm>
+            <a:off x="3884613" y="0"/>
+            <a:ext cx="2971800" cy="458788"/>
+          </a:xfrm>
+          <a:prstGeom prst="rect">
+            <a:avLst/>
+          </a:prstGeom>
+        </p:spPr>
+        <p:txBody>
+          <a:bodyPr vert="horz" lIns="91440" tIns="45720" rIns="91440" bIns="45720" rtlCol="0"/>
+          <a:lstStyle>
+            <a:lvl1pPr algn="r">
+              <a:defRPr sz="1200"/>
+            </a:lvl1pPr>
+          </a:lstStyle>
+          <a:p>
+            <a:fld id="{F017AD91-C481-D649-8E25-5FB6B81CF9CC}" type="datetimeFigureOut">
+              <a:rPr lang="en-US" smtClean="0"/>
+              <a:t>1/14/18</a:t>
+            </a:fld>
+            <a:endParaRPr lang="en-US"/>
+          </a:p>
+        </p:txBody>
+      </p:sp>
+      <p:sp>
+        <p:nvSpPr>
+          <p:cNvPr id="4" name="Slide Image Placeholder 3"/>
+          <p:cNvSpPr>
+            <a:spLocks noGrp="1" noRot="1" noChangeAspect="1"/>
+          </p:cNvSpPr>
+          <p:nvPr>
+            <p:ph type="sldImg" idx="2"/>
+          </p:nvPr>
+        </p:nvSpPr>
+        <p:spPr>
+          <a:xfrm>
+            <a:off x="685800" y="1143000"/>
+            <a:ext cx="5486400" cy="3086100"/>
+          </a:xfrm>
+          <a:prstGeom prst="rect">
+            <a:avLst/>
+          </a:prstGeom>
+          <a:noFill/>
+          <a:ln w="12700">
+            <a:solidFill>
+              <a:prstClr val="black"/>
+            </a:solidFill>
+          </a:ln>
+        </p:spPr>
+        <p:txBody>
+          <a:bodyPr vert="horz" lIns="91440" tIns="45720" rIns="91440" bIns="45720" rtlCol="0" anchor="ctr"/>
+          <a:lstStyle/>
+          <a:p>
+            <a:endParaRPr lang="en-US"/>
+          </a:p>
+        </p:txBody>
+      </p:sp>
+      <p:sp>
+        <p:nvSpPr>
+          <p:cNvPr id="5" name="Notes Placeholder 4"/>
+          <p:cNvSpPr>
+            <a:spLocks noGrp="1"/>
+          </p:cNvSpPr>
+          <p:nvPr>
+            <p:ph type="body" sz="quarter" idx="3"/>
+          </p:nvPr>
+        </p:nvSpPr>
+        <p:spPr>
+          <a:xfrm>
+            <a:off x="685800" y="4400550"/>
+            <a:ext cx="5486400" cy="3600450"/>
+          </a:xfrm>
+          <a:prstGeom prst="rect">
+            <a:avLst/>
+          </a:prstGeom>
+        </p:spPr>
+        <p:txBody>
+          <a:bodyPr vert="horz" lIns="91440" tIns="45720" rIns="91440" bIns="45720" rtlCol="0"/>
+          <a:lstStyle/>
+          <a:p>
+            <a:pPr lvl="0"/>
+            <a:r>
+              <a:rPr lang="en-US" smtClean="0"/>
+              <a:t>Click to edit Master text styles</a:t>
+            </a:r>
+          </a:p>
+          <a:p>
+            <a:pPr lvl="1"/>
+            <a:r>
+              <a:rPr lang="en-US" smtClean="0"/>
+              <a:t>Second level</a:t>
+            </a:r>
+          </a:p>
+          <a:p>
+            <a:pPr lvl="2"/>
+            <a:r>
+              <a:rPr lang="en-US" smtClean="0"/>
+              <a:t>Third level</a:t>
+            </a:r>
+          </a:p>
+          <a:p>
+            <a:pPr lvl="3"/>
+            <a:r>
+              <a:rPr lang="en-US" smtClean="0"/>
+              <a:t>Fourth level</a:t>
+            </a:r>
+          </a:p>
+          <a:p>
+            <a:pPr lvl="4"/>
+            <a:r>
+              <a:rPr lang="en-US" smtClean="0"/>
+              <a:t>Fifth level</a:t>
+            </a:r>
+            <a:endParaRPr lang="en-US"/>
+          </a:p>
+        </p:txBody>
+      </p:sp>
+      <p:sp>
+        <p:nvSpPr>
+          <p:cNvPr id="6" name="Footer Placeholder 5"/>
+          <p:cNvSpPr>
+            <a:spLocks noGrp="1"/>
+          </p:cNvSpPr>
+          <p:nvPr>
+            <p:ph type="ftr" sz="quarter" idx="4"/>
+          </p:nvPr>
+        </p:nvSpPr>
+        <p:spPr>
+          <a:xfrm>
+            <a:off x="0" y="8685213"/>
+            <a:ext cx="2971800" cy="458787"/>
+          </a:xfrm>
+          <a:prstGeom prst="rect">
+            <a:avLst/>
+          </a:prstGeom>
+        </p:spPr>
+        <p:txBody>
+          <a:bodyPr vert="horz" lIns="91440" tIns="45720" rIns="91440" bIns="45720" rtlCol="0" anchor="b"/>
+          <a:lstStyle>
+            <a:lvl1pPr algn="l">
+              <a:defRPr sz="1200"/>
+            </a:lvl1pPr>
+          </a:lstStyle>
+          <a:p>
+            <a:endParaRPr lang="en-US"/>
+          </a:p>
+        </p:txBody>
+      </p:sp>
+      <p:sp>
+        <p:nvSpPr>
+          <p:cNvPr id="7" name="Slide Number Placeholder 6"/>
+          <p:cNvSpPr>
+            <a:spLocks noGrp="1"/>
+          </p:cNvSpPr>
+          <p:nvPr>
+            <p:ph type="sldNum" sz="quarter" idx="5"/>
+          </p:nvPr>
+        </p:nvSpPr>
+        <p:spPr>
+          <a:xfrm>
+            <a:off x="3884613" y="8685213"/>
+            <a:ext cx="2971800" cy="458787"/>
+          </a:xfrm>
+          <a:prstGeom prst="rect">
+            <a:avLst/>
+          </a:prstGeom>
+        </p:spPr>
+        <p:txBody>
+          <a:bodyPr vert="horz" lIns="91440" tIns="45720" rIns="91440" bIns="45720" rtlCol="0" anchor="b"/>
+          <a:lstStyle>
+            <a:lvl1pPr algn="r">
+              <a:defRPr sz="1200"/>
+            </a:lvl1pPr>
+          </a:lstStyle>
+          <a:p>
+            <a:fld id="{24C6110F-C60F-B542-8B39-8C24A80D2617}" type="slidenum">
+              <a:rPr lang="en-US" smtClean="0"/>
+              <a:t>‹#›</a:t>
+            </a:fld>
+            <a:endParaRPr lang="en-US"/>
+          </a:p>
+        </p:txBody>
+      </p:sp>
+    </p:spTree>
+    <p:extLst>
+      <p:ext uri="{BB962C8B-B14F-4D97-AF65-F5344CB8AC3E}">
+        <p14:creationId xmlns:p14="http://schemas.microsoft.com/office/powerpoint/2010/main" val="579339900"/>
+      </p:ext>
+    </p:extLst>
+  </p:cSld>
+  <p:clrMap bg1="lt1" tx1="dk1" bg2="lt2" tx2="dk2" accent1="accent1" accent2="accent2" accent3="accent3" accent4="accent4" accent5="accent5" accent6="accent6" hlink="hlink" folHlink="folHlink"/>
+  <p:notesStyle>
+    <a:lvl1pPr marL="0" algn="l" defTabSz="914400" rtl="0" eaLnBrk="1" latinLnBrk="0" hangingPunct="1">
+      <a:defRPr sz="1200" kern="1200">
+        <a:solidFill>
+          <a:schemeClr val="tx1"/>
+        </a:solidFill>
+        <a:latin typeface="+mn-lt"/>
+        <a:ea typeface="+mn-ea"/>
+        <a:cs typeface="+mn-cs"/>
+      </a:defRPr>
+    </a:lvl1pPr>
+    <a:lvl2pPr marL="457200" algn="l" defTabSz="914400" rtl="0" eaLnBrk="1" latinLnBrk="0" hangingPunct="1">
+      <a:defRPr sz="1200" kern="1200">
+        <a:solidFill>
+          <a:schemeClr val="tx1"/>
+        </a:solidFill>
+        <a:latin typeface="+mn-lt"/>
+        <a:ea typeface="+mn-ea"/>
+        <a:cs typeface="+mn-cs"/>
+      </a:defRPr>
+    </a:lvl2pPr>
+    <a:lvl3pPr marL="914400" algn="l" defTabSz="914400" rtl="0" eaLnBrk="1" latinLnBrk="0" hangingPunct="1">
+      <a:defRPr sz="1200" kern="1200">
+        <a:solidFill>
+          <a:schemeClr val="tx1"/>
+        </a:solidFill>
+        <a:latin typeface="+mn-lt"/>
+        <a:ea typeface="+mn-ea"/>
+        <a:cs typeface="+mn-cs"/>
+      </a:defRPr>
+    </a:lvl3pPr>
+    <a:lvl4pPr marL="1371600" algn="l" defTabSz="914400" rtl="0" eaLnBrk="1" latinLnBrk="0" hangingPunct="1">
+      <a:defRPr sz="1200" kern="1200">
+        <a:solidFill>
+          <a:schemeClr val="tx1"/>
+        </a:solidFill>
+        <a:latin typeface="+mn-lt"/>
+        <a:ea typeface="+mn-ea"/>
+        <a:cs typeface="+mn-cs"/>
+      </a:defRPr>
+    </a:lvl4pPr>
+    <a:lvl5pPr marL="1828800" algn="l" defTabSz="914400" rtl="0" eaLnBrk="1" latinLnBrk="0" hangingPunct="1">
+      <a:defRPr sz="1200" kern="1200">
+        <a:solidFill>
+          <a:schemeClr val="tx1"/>
+        </a:solidFill>
+        <a:latin typeface="+mn-lt"/>
+        <a:ea typeface="+mn-ea"/>
+        <a:cs typeface="+mn-cs"/>
+      </a:defRPr>
+    </a:lvl5pPr>
+    <a:lvl6pPr marL="2286000" algn="l" defTabSz="914400" rtl="0" eaLnBrk="1" latinLnBrk="0" hangingPunct="1">
+      <a:defRPr sz="1200" kern="1200">
+        <a:solidFill>
+          <a:schemeClr val="tx1"/>
+        </a:solidFill>
+        <a:latin typeface="+mn-lt"/>
+        <a:ea typeface="+mn-ea"/>
+        <a:cs typeface="+mn-cs"/>
+      </a:defRPr>
+    </a:lvl6pPr>
+    <a:lvl7pPr marL="2743200" algn="l" defTabSz="914400" rtl="0" eaLnBrk="1" latinLnBrk="0" hangingPunct="1">
+      <a:defRPr sz="1200" kern="1200">
+        <a:solidFill>
+          <a:schemeClr val="tx1"/>
+        </a:solidFill>
+        <a:latin typeface="+mn-lt"/>
+        <a:ea typeface="+mn-ea"/>
+        <a:cs typeface="+mn-cs"/>
+      </a:defRPr>
+    </a:lvl7pPr>
+    <a:lvl8pPr marL="3200400" algn="l" defTabSz="914400" rtl="0" eaLnBrk="1" latinLnBrk="0" hangingPunct="1">
+      <a:defRPr sz="1200" kern="1200">
+        <a:solidFill>
+          <a:schemeClr val="tx1"/>
+        </a:solidFill>
+        <a:latin typeface="+mn-lt"/>
+        <a:ea typeface="+mn-ea"/>
+        <a:cs typeface="+mn-cs"/>
+      </a:defRPr>
+    </a:lvl8pPr>
+    <a:lvl9pPr marL="3657600" algn="l" defTabSz="914400" rtl="0" eaLnBrk="1" latinLnBrk="0" hangingPunct="1">
+      <a:defRPr sz="1200" kern="1200">
+        <a:solidFill>
+          <a:schemeClr val="tx1"/>
+        </a:solidFill>
+        <a:latin typeface="+mn-lt"/>
+        <a:ea typeface="+mn-ea"/>
+        <a:cs typeface="+mn-cs"/>
+      </a:defRPr>
+    </a:lvl9pPr>
+  </p:notesStyle>
+</p:notesMaster>
+</file>
+
 <file path=ppt/slideLayouts/slideLayout1.xml><?xml version="1.0" encoding="utf-8"?>
 <p:sldLayout xmlns:a="http://schemas.openxmlformats.org/drawingml/2006/main" xmlns:r="http://schemas.openxmlformats.org/officeDocument/2006/relationships" xmlns:p="http://schemas.openxmlformats.org/presentationml/2006/main" type="title" preserve="1">
   <p:cSld name="Title Slide">
@@ -243,7 +596,7 @@
           <a:p>
             <a:fld id="{295E39A9-0D84-BB41-AF08-AE65968AB772}" type="datetimeFigureOut">
               <a:rPr lang="en-US" smtClean="0"/>
-              <a:t>10/23/17</a:t>
+              <a:t>1/14/18</a:t>
             </a:fld>
             <a:endParaRPr lang="en-US"/>
           </a:p>
@@ -413,7 +766,7 @@
           <a:p>
             <a:fld id="{295E39A9-0D84-BB41-AF08-AE65968AB772}" type="datetimeFigureOut">
               <a:rPr lang="en-US" smtClean="0"/>
-              <a:t>10/23/17</a:t>
+              <a:t>1/14/18</a:t>
             </a:fld>
             <a:endParaRPr lang="en-US"/>
           </a:p>
@@ -593,7 +946,7 @@
           <a:p>
             <a:fld id="{295E39A9-0D84-BB41-AF08-AE65968AB772}" type="datetimeFigureOut">
               <a:rPr lang="en-US" smtClean="0"/>
-              <a:t>10/23/17</a:t>
+              <a:t>1/14/18</a:t>
             </a:fld>
             <a:endParaRPr lang="en-US"/>
           </a:p>
@@ -763,7 +1116,7 @@
           <a:p>
             <a:fld id="{295E39A9-0D84-BB41-AF08-AE65968AB772}" type="datetimeFigureOut">
               <a:rPr lang="en-US" smtClean="0"/>
-              <a:t>10/23/17</a:t>
+              <a:t>1/14/18</a:t>
             </a:fld>
             <a:endParaRPr lang="en-US"/>
           </a:p>
@@ -1009,7 +1362,7 @@
           <a:p>
             <a:fld id="{295E39A9-0D84-BB41-AF08-AE65968AB772}" type="datetimeFigureOut">
               <a:rPr lang="en-US" smtClean="0"/>
-              <a:t>10/23/17</a:t>
+              <a:t>1/14/18</a:t>
             </a:fld>
             <a:endParaRPr lang="en-US"/>
           </a:p>
@@ -1241,7 +1594,7 @@
           <a:p>
             <a:fld id="{295E39A9-0D84-BB41-AF08-AE65968AB772}" type="datetimeFigureOut">
               <a:rPr lang="en-US" smtClean="0"/>
-              <a:t>10/23/17</a:t>
+              <a:t>1/14/18</a:t>
             </a:fld>
             <a:endParaRPr lang="en-US"/>
           </a:p>
@@ -1608,7 +1961,7 @@
           <a:p>
             <a:fld id="{295E39A9-0D84-BB41-AF08-AE65968AB772}" type="datetimeFigureOut">
               <a:rPr lang="en-US" smtClean="0"/>
-              <a:t>10/23/17</a:t>
+              <a:t>1/14/18</a:t>
             </a:fld>
             <a:endParaRPr lang="en-US"/>
           </a:p>
@@ -1726,7 +2079,7 @@
           <a:p>
             <a:fld id="{295E39A9-0D84-BB41-AF08-AE65968AB772}" type="datetimeFigureOut">
               <a:rPr lang="en-US" smtClean="0"/>
-              <a:t>10/23/17</a:t>
+              <a:t>1/14/18</a:t>
             </a:fld>
             <a:endParaRPr lang="en-US"/>
           </a:p>
@@ -1821,7 +2174,7 @@
           <a:p>
             <a:fld id="{295E39A9-0D84-BB41-AF08-AE65968AB772}" type="datetimeFigureOut">
               <a:rPr lang="en-US" smtClean="0"/>
-              <a:t>10/23/17</a:t>
+              <a:t>1/14/18</a:t>
             </a:fld>
             <a:endParaRPr lang="en-US"/>
           </a:p>
@@ -2098,7 +2451,7 @@
           <a:p>
             <a:fld id="{295E39A9-0D84-BB41-AF08-AE65968AB772}" type="datetimeFigureOut">
               <a:rPr lang="en-US" smtClean="0"/>
-              <a:t>10/23/17</a:t>
+              <a:t>1/14/18</a:t>
             </a:fld>
             <a:endParaRPr lang="en-US"/>
           </a:p>
@@ -2351,7 +2704,7 @@
           <a:p>
             <a:fld id="{295E39A9-0D84-BB41-AF08-AE65968AB772}" type="datetimeFigureOut">
               <a:rPr lang="en-US" smtClean="0"/>
-              <a:t>10/23/17</a:t>
+              <a:t>1/14/18</a:t>
             </a:fld>
             <a:endParaRPr lang="en-US"/>
           </a:p>
@@ -2564,7 +2917,7 @@
           <a:p>
             <a:fld id="{295E39A9-0D84-BB41-AF08-AE65968AB772}" type="datetimeFigureOut">
               <a:rPr lang="en-US" smtClean="0"/>
-              <a:t>10/23/17</a:t>
+              <a:t>1/14/18</a:t>
             </a:fld>
             <a:endParaRPr lang="en-US"/>
           </a:p>
@@ -4245,8 +4598,8 @@
           </p:sp>
         </mc:Fallback>
       </mc:AlternateContent>
-      <mc:AlternateContent xmlns:mc="http://schemas.openxmlformats.org/markup-compatibility/2006">
-        <mc:Choice xmlns:a14="http://schemas.microsoft.com/office/drawing/2010/main" Requires="a14">
+      <mc:AlternateContent xmlns:mc="http://schemas.openxmlformats.org/markup-compatibility/2006" xmlns:a14="http://schemas.microsoft.com/office/drawing/2010/main">
+        <mc:Choice Requires="a14">
           <p:sp>
             <p:nvSpPr>
               <p:cNvPr id="80" name="Oval 79"/>
@@ -4347,7 +4700,7 @@
             </p:txBody>
           </p:sp>
         </mc:Choice>
-        <mc:Fallback>
+        <mc:Fallback xmlns="">
           <p:sp>
             <p:nvSpPr>
               <p:cNvPr id="80" name="Oval 79"/>
@@ -5086,8 +5439,8 @@
           </a:p>
         </p:txBody>
       </p:sp>
-      <mc:AlternateContent xmlns:mc="http://schemas.openxmlformats.org/markup-compatibility/2006">
-        <mc:Choice xmlns:a14="http://schemas.microsoft.com/office/drawing/2010/main" Requires="a14">
+      <mc:AlternateContent xmlns:mc="http://schemas.openxmlformats.org/markup-compatibility/2006" xmlns:a14="http://schemas.microsoft.com/office/drawing/2010/main">
+        <mc:Choice Requires="a14">
           <p:sp>
             <p:nvSpPr>
               <p:cNvPr id="36" name="Oval 35"/>
@@ -5188,7 +5541,7 @@
             </p:txBody>
           </p:sp>
         </mc:Choice>
-        <mc:Fallback>
+        <mc:Fallback xmlns="">
           <p:sp>
             <p:nvSpPr>
               <p:cNvPr id="36" name="Oval 35"/>
@@ -5354,6 +5707,94 @@
           </a:p>
         </p:txBody>
       </p:sp>
+      <p:pic>
+        <p:nvPicPr>
+          <p:cNvPr id="3" name="Picture 2"/>
+          <p:cNvPicPr>
+            <a:picLocks noChangeAspect="1"/>
+          </p:cNvPicPr>
+          <p:nvPr/>
+        </p:nvPicPr>
+        <p:blipFill rotWithShape="1">
+          <a:blip r:embed="rId10">
+            <a:alphaModFix/>
+            <a:extLst>
+              <a:ext uri="{28A0092B-C50C-407E-A947-70E740481C1C}">
+                <a14:useLocalDpi xmlns:a14="http://schemas.microsoft.com/office/drawing/2010/main" val="0"/>
+              </a:ext>
+            </a:extLst>
+          </a:blip>
+          <a:srcRect l="670" t="4556" r="80184" b="5742"/>
+          <a:stretch/>
+        </p:blipFill>
+        <p:spPr>
+          <a:xfrm>
+            <a:off x="8049832" y="1924145"/>
+            <a:ext cx="739225" cy="717698"/>
+          </a:xfrm>
+          <a:prstGeom prst="rect">
+            <a:avLst/>
+          </a:prstGeom>
+        </p:spPr>
+      </p:pic>
+      <p:pic>
+        <p:nvPicPr>
+          <p:cNvPr id="51" name="Picture 50"/>
+          <p:cNvPicPr>
+            <a:picLocks noChangeAspect="1"/>
+          </p:cNvPicPr>
+          <p:nvPr/>
+        </p:nvPicPr>
+        <p:blipFill rotWithShape="1">
+          <a:blip r:embed="rId10">
+            <a:extLst>
+              <a:ext uri="{28A0092B-C50C-407E-A947-70E740481C1C}">
+                <a14:useLocalDpi xmlns:a14="http://schemas.microsoft.com/office/drawing/2010/main" val="0"/>
+              </a:ext>
+            </a:extLst>
+          </a:blip>
+          <a:srcRect l="26937" t="4575" r="54102" b="8769"/>
+          <a:stretch/>
+        </p:blipFill>
+        <p:spPr>
+          <a:xfrm>
+            <a:off x="5833429" y="4451419"/>
+            <a:ext cx="732081" cy="693337"/>
+          </a:xfrm>
+          <a:prstGeom prst="rect">
+            <a:avLst/>
+          </a:prstGeom>
+        </p:spPr>
+      </p:pic>
+      <p:pic>
+        <p:nvPicPr>
+          <p:cNvPr id="52" name="Picture 51"/>
+          <p:cNvPicPr>
+            <a:picLocks noChangeAspect="1"/>
+          </p:cNvPicPr>
+          <p:nvPr/>
+        </p:nvPicPr>
+        <p:blipFill rotWithShape="1">
+          <a:blip r:embed="rId10">
+            <a:extLst>
+              <a:ext uri="{28A0092B-C50C-407E-A947-70E740481C1C}">
+                <a14:useLocalDpi xmlns:a14="http://schemas.microsoft.com/office/drawing/2010/main" val="0"/>
+              </a:ext>
+            </a:extLst>
+          </a:blip>
+          <a:srcRect l="26937" t="4575" r="54102" b="8769"/>
+          <a:stretch/>
+        </p:blipFill>
+        <p:spPr>
+          <a:xfrm>
+            <a:off x="1042128" y="4049992"/>
+            <a:ext cx="732081" cy="693337"/>
+          </a:xfrm>
+          <a:prstGeom prst="rect">
+            <a:avLst/>
+          </a:prstGeom>
+        </p:spPr>
+      </p:pic>
     </p:spTree>
     <p:extLst>
       <p:ext uri="{BB962C8B-B14F-4D97-AF65-F5344CB8AC3E}">
@@ -5633,4 +6074,265 @@
     </a:ext>
   </a:extLst>
 </a:theme>
+</file>
+
+<file path=ppt/theme/theme2.xml><?xml version="1.0" encoding="utf-8"?>
+<a:theme xmlns:a="http://schemas.openxmlformats.org/drawingml/2006/main" name="Office Theme">
+  <a:themeElements>
+    <a:clrScheme name="Office">
+      <a:dk1>
+        <a:sysClr val="windowText" lastClr="000000"/>
+      </a:dk1>
+      <a:lt1>
+        <a:sysClr val="window" lastClr="FFFFFF"/>
+      </a:lt1>
+      <a:dk2>
+        <a:srgbClr val="44546A"/>
+      </a:dk2>
+      <a:lt2>
+        <a:srgbClr val="E7E6E6"/>
+      </a:lt2>
+      <a:accent1>
+        <a:srgbClr val="4472C4"/>
+      </a:accent1>
+      <a:accent2>
+        <a:srgbClr val="ED7D31"/>
+      </a:accent2>
+      <a:accent3>
+        <a:srgbClr val="A5A5A5"/>
+      </a:accent3>
+      <a:accent4>
+        <a:srgbClr val="FFC000"/>
+      </a:accent4>
+      <a:accent5>
+        <a:srgbClr val="5B9BD5"/>
+      </a:accent5>
+      <a:accent6>
+        <a:srgbClr val="70AD47"/>
+      </a:accent6>
+      <a:hlink>
+        <a:srgbClr val="0563C1"/>
+      </a:hlink>
+      <a:folHlink>
+        <a:srgbClr val="954F72"/>
+      </a:folHlink>
+    </a:clrScheme>
+    <a:fontScheme name="Office">
+      <a:majorFont>
+        <a:latin typeface="Calibri Light" panose="020F0302020204030204"/>
+        <a:ea typeface=""/>
+        <a:cs typeface=""/>
+        <a:font script="Jpan" typeface="Yu Gothic Light"/>
+        <a:font script="Hang" typeface="맑은 고딕"/>
+        <a:font script="Hans" typeface="DengXian Light"/>
+        <a:font script="Hant" typeface="新細明體"/>
+        <a:font script="Arab" typeface="Times New Roman"/>
+        <a:font script="Hebr" typeface="Times New Roman"/>
+        <a:font script="Thai" typeface="Angsana New"/>
+        <a:font script="Ethi" typeface="Nyala"/>
+        <a:font script="Beng" typeface="Vrinda"/>
+        <a:font script="Gujr" typeface="Shruti"/>
+        <a:font script="Khmr" typeface="MoolBoran"/>
+        <a:font script="Knda" typeface="Tunga"/>
+        <a:font script="Guru" typeface="Raavi"/>
+        <a:font script="Cans" typeface="Euphemia"/>
+        <a:font script="Cher" typeface="Plantagenet Cherokee"/>
+        <a:font script="Yiii" typeface="Microsoft Yi Baiti"/>
+        <a:font script="Tibt" typeface="Microsoft Himalaya"/>
+        <a:font script="Thaa" typeface="MV Boli"/>
+        <a:font script="Deva" typeface="Mangal"/>
+        <a:font script="Telu" typeface="Gautami"/>
+        <a:font script="Taml" typeface="Latha"/>
+        <a:font script="Syrc" typeface="Estrangelo Edessa"/>
+        <a:font script="Orya" typeface="Kalinga"/>
+        <a:font script="Mlym" typeface="Kartika"/>
+        <a:font script="Laoo" typeface="DokChampa"/>
+        <a:font script="Sinh" typeface="Iskoola Pota"/>
+        <a:font script="Mong" typeface="Mongolian Baiti"/>
+        <a:font script="Viet" typeface="Times New Roman"/>
+        <a:font script="Uigh" typeface="Microsoft Uighur"/>
+        <a:font script="Geor" typeface="Sylfaen"/>
+      </a:majorFont>
+      <a:minorFont>
+        <a:latin typeface="Calibri" panose="020F0502020204030204"/>
+        <a:ea typeface=""/>
+        <a:cs typeface=""/>
+        <a:font script="Jpan" typeface="Yu Gothic"/>
+        <a:font script="Hang" typeface="맑은 고딕"/>
+        <a:font script="Hans" typeface="DengXian"/>
+        <a:font script="Hant" typeface="新細明體"/>
+        <a:font script="Arab" typeface="Arial"/>
+        <a:font script="Hebr" typeface="Arial"/>
+        <a:font script="Thai" typeface="Cordia New"/>
+        <a:font script="Ethi" typeface="Nyala"/>
+        <a:font script="Beng" typeface="Vrinda"/>
+        <a:font script="Gujr" typeface="Shruti"/>
+        <a:font script="Khmr" typeface="DaunPenh"/>
+        <a:font script="Knda" typeface="Tunga"/>
+        <a:font script="Guru" typeface="Raavi"/>
+        <a:font script="Cans" typeface="Euphemia"/>
+        <a:font script="Cher" typeface="Plantagenet Cherokee"/>
+        <a:font script="Yiii" typeface="Microsoft Yi Baiti"/>
+        <a:font script="Tibt" typeface="Microsoft Himalaya"/>
+        <a:font script="Thaa" typeface="MV Boli"/>
+        <a:font script="Deva" typeface="Mangal"/>
+        <a:font script="Telu" typeface="Gautami"/>
+        <a:font script="Taml" typeface="Latha"/>
+        <a:font script="Syrc" typeface="Estrangelo Edessa"/>
+        <a:font script="Orya" typeface="Kalinga"/>
+        <a:font script="Mlym" typeface="Kartika"/>
+        <a:font script="Laoo" typeface="DokChampa"/>
+        <a:font script="Sinh" typeface="Iskoola Pota"/>
+        <a:font script="Mong" typeface="Mongolian Baiti"/>
+        <a:font script="Viet" typeface="Arial"/>
+        <a:font script="Uigh" typeface="Microsoft Uighur"/>
+        <a:font script="Geor" typeface="Sylfaen"/>
+      </a:minorFont>
+    </a:fontScheme>
+    <a:fmtScheme name="Office">
+      <a:fillStyleLst>
+        <a:solidFill>
+          <a:schemeClr val="phClr"/>
+        </a:solidFill>
+        <a:gradFill rotWithShape="1">
+          <a:gsLst>
+            <a:gs pos="0">
+              <a:schemeClr val="phClr">
+                <a:lumMod val="110000"/>
+                <a:satMod val="105000"/>
+                <a:tint val="67000"/>
+              </a:schemeClr>
+            </a:gs>
+            <a:gs pos="50000">
+              <a:schemeClr val="phClr">
+                <a:lumMod val="105000"/>
+                <a:satMod val="103000"/>
+                <a:tint val="73000"/>
+              </a:schemeClr>
+            </a:gs>
+            <a:gs pos="100000">
+              <a:schemeClr val="phClr">
+                <a:lumMod val="105000"/>
+                <a:satMod val="109000"/>
+                <a:tint val="81000"/>
+              </a:schemeClr>
+            </a:gs>
+          </a:gsLst>
+          <a:lin ang="5400000" scaled="0"/>
+        </a:gradFill>
+        <a:gradFill rotWithShape="1">
+          <a:gsLst>
+            <a:gs pos="0">
+              <a:schemeClr val="phClr">
+                <a:satMod val="103000"/>
+                <a:lumMod val="102000"/>
+                <a:tint val="94000"/>
+              </a:schemeClr>
+            </a:gs>
+            <a:gs pos="50000">
+              <a:schemeClr val="phClr">
+                <a:satMod val="110000"/>
+                <a:lumMod val="100000"/>
+                <a:shade val="100000"/>
+              </a:schemeClr>
+            </a:gs>
+            <a:gs pos="100000">
+              <a:schemeClr val="phClr">
+                <a:lumMod val="99000"/>
+                <a:satMod val="120000"/>
+                <a:shade val="78000"/>
+              </a:schemeClr>
+            </a:gs>
+          </a:gsLst>
+          <a:lin ang="5400000" scaled="0"/>
+        </a:gradFill>
+      </a:fillStyleLst>
+      <a:lnStyleLst>
+        <a:ln w="6350" cap="flat" cmpd="sng" algn="ctr">
+          <a:solidFill>
+            <a:schemeClr val="phClr"/>
+          </a:solidFill>
+          <a:prstDash val="solid"/>
+          <a:miter lim="800000"/>
+        </a:ln>
+        <a:ln w="12700" cap="flat" cmpd="sng" algn="ctr">
+          <a:solidFill>
+            <a:schemeClr val="phClr"/>
+          </a:solidFill>
+          <a:prstDash val="solid"/>
+          <a:miter lim="800000"/>
+        </a:ln>
+        <a:ln w="19050" cap="flat" cmpd="sng" algn="ctr">
+          <a:solidFill>
+            <a:schemeClr val="phClr"/>
+          </a:solidFill>
+          <a:prstDash val="solid"/>
+          <a:miter lim="800000"/>
+        </a:ln>
+      </a:lnStyleLst>
+      <a:effectStyleLst>
+        <a:effectStyle>
+          <a:effectLst/>
+        </a:effectStyle>
+        <a:effectStyle>
+          <a:effectLst/>
+        </a:effectStyle>
+        <a:effectStyle>
+          <a:effectLst>
+            <a:outerShdw blurRad="57150" dist="19050" dir="5400000" algn="ctr" rotWithShape="0">
+              <a:srgbClr val="000000">
+                <a:alpha val="63000"/>
+              </a:srgbClr>
+            </a:outerShdw>
+          </a:effectLst>
+        </a:effectStyle>
+      </a:effectStyleLst>
+      <a:bgFillStyleLst>
+        <a:solidFill>
+          <a:schemeClr val="phClr"/>
+        </a:solidFill>
+        <a:solidFill>
+          <a:schemeClr val="phClr">
+            <a:tint val="95000"/>
+            <a:satMod val="170000"/>
+          </a:schemeClr>
+        </a:solidFill>
+        <a:gradFill rotWithShape="1">
+          <a:gsLst>
+            <a:gs pos="0">
+              <a:schemeClr val="phClr">
+                <a:tint val="93000"/>
+                <a:satMod val="150000"/>
+                <a:shade val="98000"/>
+                <a:lumMod val="102000"/>
+              </a:schemeClr>
+            </a:gs>
+            <a:gs pos="50000">
+              <a:schemeClr val="phClr">
+                <a:tint val="98000"/>
+                <a:satMod val="130000"/>
+                <a:shade val="90000"/>
+                <a:lumMod val="103000"/>
+              </a:schemeClr>
+            </a:gs>
+            <a:gs pos="100000">
+              <a:schemeClr val="phClr">
+                <a:shade val="63000"/>
+                <a:satMod val="120000"/>
+              </a:schemeClr>
+            </a:gs>
+          </a:gsLst>
+          <a:lin ang="5400000" scaled="0"/>
+        </a:gradFill>
+      </a:bgFillStyleLst>
+    </a:fmtScheme>
+  </a:themeElements>
+  <a:objectDefaults/>
+  <a:extraClrSchemeLst/>
+  <a:extLst>
+    <a:ext uri="{05A4C25C-085E-4340-85A3-A5531E510DB2}">
+      <thm15:themeFamily xmlns:thm15="http://schemas.microsoft.com/office/thememl/2012/main" name="Office Theme" id="{62F939B6-93AF-4DB8-9C6B-D6C7DFDC589F}" vid="{4A3C46E8-61CC-4603-A589-7422A47A8E4A}"/>
+    </a:ext>
+  </a:extLst>
+</a:theme>
 </file>